--- a/Calendario2019/Presentaciones/Autoestudios/9_Autoestudio_IntroduccionManipulacionDatos.pptx
+++ b/Calendario2019/Presentaciones/Autoestudios/9_Autoestudio_IntroduccionManipulacionDatos.pptx
@@ -256,7 +256,7 @@
           <a:p>
             <a:fld id="{1D8BD707-D9CF-40AE-B4C6-C98DA3205C09}" type="datetimeFigureOut">
               <a:rPr lang="en-US" smtClean="0"/>
-              <a:t>11/25/2019</a:t>
+              <a:t>12/3/2019</a:t>
             </a:fld>
             <a:endParaRPr lang="en-US"/>
           </a:p>
@@ -418,7 +418,7 @@
           <a:p>
             <a:fld id="{1D8BD707-D9CF-40AE-B4C6-C98DA3205C09}" type="datetimeFigureOut">
               <a:rPr lang="en-US" smtClean="0"/>
-              <a:t>11/25/2019</a:t>
+              <a:t>12/3/2019</a:t>
             </a:fld>
             <a:endParaRPr lang="en-US"/>
           </a:p>
@@ -4447,7 +4447,7 @@
           <a:p>
             <a:fld id="{1D8BD707-D9CF-40AE-B4C6-C98DA3205C09}" type="datetimeFigureOut">
               <a:rPr lang="en-US" smtClean="0"/>
-              <a:t>11/25/2019</a:t>
+              <a:t>12/3/2019</a:t>
             </a:fld>
             <a:endParaRPr lang="en-US"/>
           </a:p>
@@ -5284,7 +5284,7 @@
           <a:p>
             <a:fld id="{1D8BD707-D9CF-40AE-B4C6-C98DA3205C09}" type="datetimeFigureOut">
               <a:rPr lang="en-US" smtClean="0"/>
-              <a:t>11/25/2019</a:t>
+              <a:t>12/3/2019</a:t>
             </a:fld>
             <a:endParaRPr lang="en-US"/>
           </a:p>
@@ -9261,7 +9261,7 @@
           <a:p>
             <a:fld id="{1D8BD707-D9CF-40AE-B4C6-C98DA3205C09}" type="datetimeFigureOut">
               <a:rPr lang="en-US" smtClean="0"/>
-              <a:t>11/25/2019</a:t>
+              <a:t>12/3/2019</a:t>
             </a:fld>
             <a:endParaRPr lang="en-US"/>
           </a:p>
@@ -9522,7 +9522,7 @@
           <a:p>
             <a:fld id="{1D8BD707-D9CF-40AE-B4C6-C98DA3205C09}" type="datetimeFigureOut">
               <a:rPr lang="en-US" smtClean="0"/>
-              <a:t>11/25/2019</a:t>
+              <a:t>12/3/2019</a:t>
             </a:fld>
             <a:endParaRPr lang="en-US"/>
           </a:p>
@@ -13166,7 +13166,7 @@
         <p:spPr>
           <a:xfrm>
             <a:off x="228600" y="361950"/>
-            <a:ext cx="8763000" cy="4800600"/>
+            <a:ext cx="8763000" cy="4267200"/>
           </a:xfrm>
           <a:prstGeom prst="rect">
             <a:avLst/>
@@ -14644,23 +14644,6 @@
               <a:latin typeface="Arial"/>
               <a:cs typeface="Arial"/>
             </a:endParaRPr>
-          </a:p>
-          <a:p>
-            <a:pPr marL="12700" marR="12700">
-              <a:lnSpc>
-                <a:spcPct val="100099"/>
-              </a:lnSpc>
-            </a:pPr>
-            <a:r>
-              <a:rPr lang="es-MX" sz="1600" spc="-50" dirty="0">
-                <a:solidFill>
-                  <a:srgbClr val="C5DAEB"/>
-                </a:solidFill>
-                <a:latin typeface="Arial"/>
-                <a:cs typeface="Arial"/>
-              </a:rPr>
-              <a:t>Video (16:456min):</a:t>
-            </a:r>
           </a:p>
           <a:p>
             <a:pPr marL="12700" marR="12700">
